--- a/HUD.pptx
+++ b/HUD.pptx
@@ -3391,7 +3391,7 @@
                   <a:srgbClr val="002060"/>
                 </a:solidFill>
               </a:rPr>
-              <a:t>DiscordMultiTool v-2.5.3</a:t>
+              <a:t>DiscordMultiTool</a:t>
             </a:r>
           </a:p>
         </p:txBody>
